--- a/스마트 텀블러 발표용 PPT.pptx
+++ b/스마트 텀블러 발표용 PPT.pptx
@@ -2430,153 +2430,55 @@
           </a:p>
         </p:txBody>
       </p:sp>
-      <p:grpSp>
-        <p:nvGrpSpPr>
-          <p:cNvPr id="6" name="그룹 5">
-            <a:extLst>
-              <a:ext uri="{FF2B5EF4-FFF2-40B4-BE49-F238E27FC236}">
-                <a16:creationId xmlns:a16="http://schemas.microsoft.com/office/drawing/2014/main" id="{951FE5E5-427D-4B99-89C7-43AB9227F2F1}"/>
-              </a:ext>
-            </a:extLst>
-          </p:cNvPr>
-          <p:cNvGrpSpPr/>
+      <p:sp>
+        <p:nvSpPr>
+          <p:cNvPr id="7" name="직사각형 6">
+            <a:extLst>
+              <a:ext uri="{FF2B5EF4-FFF2-40B4-BE49-F238E27FC236}">
+                <a16:creationId xmlns:a16="http://schemas.microsoft.com/office/drawing/2014/main" id="{14E9EB06-1BB6-4F2E-8626-387F4AC6E755}"/>
+              </a:ext>
+            </a:extLst>
+          </p:cNvPr>
+          <p:cNvSpPr/>
           <p:nvPr userDrawn="1"/>
-        </p:nvGrpSpPr>
-        <p:grpSpPr>
+        </p:nvSpPr>
+        <p:spPr>
           <a:xfrm>
             <a:off x="172720" y="6410960"/>
             <a:ext cx="12019280" cy="284480"/>
-            <a:chOff x="172720" y="6410960"/>
-            <a:chExt cx="12019280" cy="284480"/>
           </a:xfrm>
-        </p:grpSpPr>
-        <p:sp>
-          <p:nvSpPr>
-            <p:cNvPr id="7" name="직사각형 6">
-              <a:extLst>
-                <a:ext uri="{FF2B5EF4-FFF2-40B4-BE49-F238E27FC236}">
-                  <a16:creationId xmlns:a16="http://schemas.microsoft.com/office/drawing/2014/main" id="{14E9EB06-1BB6-4F2E-8626-387F4AC6E755}"/>
-                </a:ext>
-              </a:extLst>
-            </p:cNvPr>
-            <p:cNvSpPr/>
-            <p:nvPr userDrawn="1"/>
-          </p:nvSpPr>
-          <p:spPr>
-            <a:xfrm>
-              <a:off x="172720" y="6410960"/>
-              <a:ext cx="12019280" cy="284480"/>
-            </a:xfrm>
-            <a:prstGeom prst="rect">
-              <a:avLst/>
-            </a:prstGeom>
-            <a:ln>
-              <a:noFill/>
-            </a:ln>
-          </p:spPr>
-          <p:style>
-            <a:lnRef idx="2">
-              <a:schemeClr val="accent1">
-                <a:shade val="50000"/>
-              </a:schemeClr>
-            </a:lnRef>
-            <a:fillRef idx="1">
-              <a:schemeClr val="accent1"/>
-            </a:fillRef>
-            <a:effectRef idx="0">
-              <a:schemeClr val="accent1"/>
-            </a:effectRef>
-            <a:fontRef idx="minor">
-              <a:schemeClr val="lt1"/>
-            </a:fontRef>
-          </p:style>
-          <p:txBody>
-            <a:bodyPr rtlCol="0" anchor="ctr"/>
-            <a:lstStyle/>
-            <a:p>
-              <a:pPr algn="ctr"/>
-              <a:endParaRPr lang="ko-KR" altLang="en-US"/>
-            </a:p>
-          </p:txBody>
-        </p:sp>
-        <p:sp>
-          <p:nvSpPr>
-            <p:cNvPr id="8" name="TextBox 7">
-              <a:extLst>
-                <a:ext uri="{FF2B5EF4-FFF2-40B4-BE49-F238E27FC236}">
-                  <a16:creationId xmlns:a16="http://schemas.microsoft.com/office/drawing/2014/main" id="{9D8B4587-CF56-4D5A-B341-F220D295B749}"/>
-                </a:ext>
-              </a:extLst>
-            </p:cNvPr>
-            <p:cNvSpPr txBox="1"/>
-            <p:nvPr userDrawn="1"/>
-          </p:nvSpPr>
-          <p:spPr>
-            <a:xfrm>
-              <a:off x="9766856" y="6428899"/>
-              <a:ext cx="2404824" cy="246221"/>
-            </a:xfrm>
-            <a:prstGeom prst="rect">
-              <a:avLst/>
-            </a:prstGeom>
+          <a:prstGeom prst="rect">
+            <a:avLst/>
+          </a:prstGeom>
+          <a:ln>
             <a:noFill/>
-          </p:spPr>
-          <p:txBody>
-            <a:bodyPr wrap="none" rtlCol="0">
-              <a:spAutoFit/>
-            </a:bodyPr>
-            <a:lstStyle/>
-            <a:p>
-              <a:pPr algn="r"/>
-              <a:r>
-                <a:rPr lang="en-US" altLang="ko-KR" sz="1000" dirty="0">
-                  <a:solidFill>
-                    <a:schemeClr val="bg1"/>
-                  </a:solidFill>
-                </a:rPr>
-                <a:t>ⓒSaebyeol Yu.</a:t>
-              </a:r>
-              <a:r>
-                <a:rPr lang="ko-KR" altLang="en-US" sz="1000" dirty="0">
-                  <a:solidFill>
-                    <a:schemeClr val="bg1"/>
-                  </a:solidFill>
-                </a:rPr>
-                <a:t> </a:t>
-              </a:r>
-              <a:r>
-                <a:rPr lang="en-US" altLang="ko-KR" sz="1000" dirty="0" err="1">
-                  <a:solidFill>
-                    <a:schemeClr val="bg1"/>
-                  </a:solidFill>
-                </a:rPr>
-                <a:t>Saebyeol’s</a:t>
-              </a:r>
-              <a:r>
-                <a:rPr lang="ko-KR" altLang="en-US" sz="1000" dirty="0">
-                  <a:solidFill>
-                    <a:schemeClr val="bg1"/>
-                  </a:solidFill>
-                </a:rPr>
-                <a:t> </a:t>
-              </a:r>
-              <a:r>
-                <a:rPr lang="en-US" altLang="ko-KR" sz="1000" dirty="0">
-                  <a:solidFill>
-                    <a:schemeClr val="bg1"/>
-                  </a:solidFill>
-                </a:rPr>
-                <a:t>PowerPoint</a:t>
-              </a:r>
-              <a:endParaRPr lang="ko-KR" altLang="en-US" sz="1000" dirty="0">
-                <a:solidFill>
-                  <a:schemeClr val="bg1"/>
-                </a:solidFill>
-              </a:endParaRPr>
-            </a:p>
-          </p:txBody>
-        </p:sp>
-      </p:grpSp>
+          </a:ln>
+        </p:spPr>
+        <p:style>
+          <a:lnRef idx="2">
+            <a:schemeClr val="accent1">
+              <a:shade val="50000"/>
+            </a:schemeClr>
+          </a:lnRef>
+          <a:fillRef idx="1">
+            <a:schemeClr val="accent1"/>
+          </a:fillRef>
+          <a:effectRef idx="0">
+            <a:schemeClr val="accent1"/>
+          </a:effectRef>
+          <a:fontRef idx="minor">
+            <a:schemeClr val="lt1"/>
+          </a:fontRef>
+        </p:style>
+        <p:txBody>
+          <a:bodyPr rtlCol="0" anchor="ctr"/>
+          <a:lstStyle/>
+          <a:p>
+            <a:pPr algn="ctr"/>
+            <a:endParaRPr lang="ko-KR" altLang="en-US"/>
+          </a:p>
+        </p:txBody>
+      </p:sp>
     </p:spTree>
     <p:extLst>
       <p:ext uri="{BB962C8B-B14F-4D97-AF65-F5344CB8AC3E}">

--- a/스마트 텀블러 발표용 PPT.pptx
+++ b/스마트 텀블러 발표용 PPT.pptx
@@ -272,7 +272,7 @@
           <a:p>
             <a:fld id="{3F8A50C2-589C-42C8-B763-56D87D9D16BD}" type="datetimeFigureOut">
               <a:rPr lang="ko-KR" altLang="en-US" smtClean="0"/>
-              <a:t>2021-10-27</a:t>
+              <a:t>2021-10-31</a:t>
             </a:fld>
             <a:endParaRPr lang="ko-KR" altLang="en-US"/>
           </a:p>
@@ -560,7 +560,7 @@
           <a:p>
             <a:fld id="{3F8A50C2-589C-42C8-B763-56D87D9D16BD}" type="datetimeFigureOut">
               <a:rPr lang="ko-KR" altLang="en-US" smtClean="0"/>
-              <a:t>2021-10-27</a:t>
+              <a:t>2021-10-31</a:t>
             </a:fld>
             <a:endParaRPr lang="ko-KR" altLang="en-US"/>
           </a:p>
@@ -758,7 +758,7 @@
           <a:p>
             <a:fld id="{3F8A50C2-589C-42C8-B763-56D87D9D16BD}" type="datetimeFigureOut">
               <a:rPr lang="ko-KR" altLang="en-US" smtClean="0"/>
-              <a:t>2021-10-27</a:t>
+              <a:t>2021-10-31</a:t>
             </a:fld>
             <a:endParaRPr lang="ko-KR" altLang="en-US"/>
           </a:p>
@@ -966,7 +966,7 @@
           <a:p>
             <a:fld id="{3F8A50C2-589C-42C8-B763-56D87D9D16BD}" type="datetimeFigureOut">
               <a:rPr lang="ko-KR" altLang="en-US" smtClean="0"/>
-              <a:t>2021-10-27</a:t>
+              <a:t>2021-10-31</a:t>
             </a:fld>
             <a:endParaRPr lang="ko-KR" altLang="en-US"/>
           </a:p>
@@ -1164,7 +1164,7 @@
           <a:p>
             <a:fld id="{3F8A50C2-589C-42C8-B763-56D87D9D16BD}" type="datetimeFigureOut">
               <a:rPr lang="ko-KR" altLang="en-US" smtClean="0"/>
-              <a:t>2021-10-27</a:t>
+              <a:t>2021-10-31</a:t>
             </a:fld>
             <a:endParaRPr lang="ko-KR" altLang="en-US"/>
           </a:p>
@@ -1439,7 +1439,7 @@
           <a:p>
             <a:fld id="{3F8A50C2-589C-42C8-B763-56D87D9D16BD}" type="datetimeFigureOut">
               <a:rPr lang="ko-KR" altLang="en-US" smtClean="0"/>
-              <a:t>2021-10-27</a:t>
+              <a:t>2021-10-31</a:t>
             </a:fld>
             <a:endParaRPr lang="ko-KR" altLang="en-US"/>
           </a:p>
@@ -1704,7 +1704,7 @@
           <a:p>
             <a:fld id="{3F8A50C2-589C-42C8-B763-56D87D9D16BD}" type="datetimeFigureOut">
               <a:rPr lang="ko-KR" altLang="en-US" smtClean="0"/>
-              <a:t>2021-10-27</a:t>
+              <a:t>2021-10-31</a:t>
             </a:fld>
             <a:endParaRPr lang="ko-KR" altLang="en-US"/>
           </a:p>
@@ -2116,7 +2116,7 @@
           <a:p>
             <a:fld id="{3F8A50C2-589C-42C8-B763-56D87D9D16BD}" type="datetimeFigureOut">
               <a:rPr lang="ko-KR" altLang="en-US" smtClean="0"/>
-              <a:t>2021-10-27</a:t>
+              <a:t>2021-10-31</a:t>
             </a:fld>
             <a:endParaRPr lang="ko-KR" altLang="en-US"/>
           </a:p>
@@ -2257,7 +2257,7 @@
           <a:p>
             <a:fld id="{3F8A50C2-589C-42C8-B763-56D87D9D16BD}" type="datetimeFigureOut">
               <a:rPr lang="ko-KR" altLang="en-US" smtClean="0"/>
-              <a:t>2021-10-27</a:t>
+              <a:t>2021-10-31</a:t>
             </a:fld>
             <a:endParaRPr lang="ko-KR" altLang="en-US"/>
           </a:p>
@@ -2370,7 +2370,7 @@
           <a:p>
             <a:fld id="{3F8A50C2-589C-42C8-B763-56D87D9D16BD}" type="datetimeFigureOut">
               <a:rPr lang="ko-KR" altLang="en-US" smtClean="0"/>
-              <a:t>2021-10-27</a:t>
+              <a:t>2021-10-31</a:t>
             </a:fld>
             <a:endParaRPr lang="ko-KR" altLang="en-US"/>
           </a:p>
@@ -2532,7 +2532,7 @@
           <a:p>
             <a:fld id="{3F8A50C2-589C-42C8-B763-56D87D9D16BD}" type="datetimeFigureOut">
               <a:rPr lang="ko-KR" altLang="en-US" smtClean="0"/>
-              <a:t>2021-10-27</a:t>
+              <a:t>2021-10-31</a:t>
             </a:fld>
             <a:endParaRPr lang="ko-KR" altLang="en-US"/>
           </a:p>
@@ -2843,7 +2843,7 @@
           <a:p>
             <a:fld id="{3F8A50C2-589C-42C8-B763-56D87D9D16BD}" type="datetimeFigureOut">
               <a:rPr lang="ko-KR" altLang="en-US" smtClean="0"/>
-              <a:t>2021-10-27</a:t>
+              <a:t>2021-10-31</a:t>
             </a:fld>
             <a:endParaRPr lang="ko-KR" altLang="en-US"/>
           </a:p>
@@ -3084,7 +3084,7 @@
           <a:p>
             <a:fld id="{3F8A50C2-589C-42C8-B763-56D87D9D16BD}" type="datetimeFigureOut">
               <a:rPr lang="ko-KR" altLang="en-US" smtClean="0"/>
-              <a:t>2021-10-27</a:t>
+              <a:t>2021-10-31</a:t>
             </a:fld>
             <a:endParaRPr lang="ko-KR" altLang="en-US"/>
           </a:p>
@@ -4604,7 +4604,7 @@
                 </a:solidFill>
                 <a:latin typeface="+mn-ea"/>
               </a:rPr>
-              <a:t>대략적으로 필요한 센서들</a:t>
+              <a:t>필요한 센서들</a:t>
             </a:r>
             <a:endParaRPr lang="en-US" altLang="ko-KR" dirty="0">
               <a:solidFill>
@@ -4615,6 +4615,18 @@
           </a:p>
           <a:p>
             <a:r>
+              <a:rPr lang="ko-KR" altLang="en-US" dirty="0" err="1">
+                <a:latin typeface="+mn-ea"/>
+              </a:rPr>
+              <a:t>아두이노</a:t>
+            </a:r>
+            <a:r>
+              <a:rPr lang="ko-KR" altLang="en-US" dirty="0">
+                <a:latin typeface="+mn-ea"/>
+              </a:rPr>
+              <a:t> 보드와 </a:t>
+            </a:r>
+            <a:r>
               <a:rPr lang="en-US" altLang="ko-KR" dirty="0">
                 <a:latin typeface="+mn-ea"/>
               </a:rPr>
@@ -4696,7 +4708,7 @@
               <a:rPr lang="ko-KR" altLang="en-US" dirty="0">
                 <a:latin typeface="+mn-ea"/>
               </a:rPr>
-              <a:t>푸시 버튼</a:t>
+              <a:t>푸시 버튼 등등</a:t>
             </a:r>
           </a:p>
         </p:txBody>
@@ -4921,8 +4933,24 @@
           <a:p>
             <a:pPr algn="just"/>
             <a:r>
-              <a:rPr lang="ko-KR" altLang="en-US" sz="1800" dirty="0"/>
-              <a:t>미용과 건강에 도움을 줄 수 있을 듯</a:t>
+              <a:rPr lang="ko-KR" altLang="en-US" dirty="0"/>
+              <a:t>충분한 물 섭취를 통한 피부 미용</a:t>
+            </a:r>
+            <a:r>
+              <a:rPr lang="en-US" altLang="ko-KR" dirty="0"/>
+              <a:t> </a:t>
+            </a:r>
+            <a:r>
+              <a:rPr lang="ko-KR" altLang="en-US" dirty="0"/>
+              <a:t>효과</a:t>
+            </a:r>
+            <a:r>
+              <a:rPr lang="en-US" altLang="ko-KR" dirty="0"/>
+              <a:t>, </a:t>
+            </a:r>
+            <a:r>
+              <a:rPr lang="ko-KR" altLang="en-US" dirty="0"/>
+              <a:t>건강 증진</a:t>
             </a:r>
             <a:endParaRPr lang="en-US" altLang="ko-KR" sz="1800" dirty="0"/>
           </a:p>
